--- a/Presentation.pptx
+++ b/Presentation.pptx
@@ -5,8 +5,14 @@
     <p:sldMasterId id="2147483648" r:id="rId1"/>
   </p:sldMasterIdLst>
   <p:sldIdLst>
-    <p:sldId id="256" r:id="rId2"/>
-    <p:sldId id="257" r:id="rId3"/>
+    <p:sldId id="258" r:id="rId2"/>
+    <p:sldId id="259" r:id="rId3"/>
+    <p:sldId id="260" r:id="rId4"/>
+    <p:sldId id="261" r:id="rId5"/>
+    <p:sldId id="262" r:id="rId6"/>
+    <p:sldId id="263" r:id="rId7"/>
+    <p:sldId id="265" r:id="rId8"/>
+    <p:sldId id="264" r:id="rId9"/>
   </p:sldIdLst>
   <p:sldSz cx="12192000" cy="6858000"/>
   <p:notesSz cx="6858000" cy="9144000"/>
@@ -105,6 +111,11 @@
       </a:defRPr>
     </a:lvl9pPr>
   </p:defaultTextStyle>
+  <p:extLst>
+    <p:ext uri="{EFAFB233-063F-42B5-8137-9DF3F51BA10A}">
+      <p15:sldGuideLst xmlns:p15="http://schemas.microsoft.com/office/powerpoint/2012/main"/>
+    </p:ext>
+  </p:extLst>
 </p:presentation>
 </file>
 
@@ -3311,7 +3322,10 @@
     <p:bg>
       <p:bgPr>
         <a:solidFill>
-          <a:schemeClr val="bg1"/>
+          <a:schemeClr val="bg1">
+            <a:tint val="95000"/>
+            <a:satMod val="170000"/>
+          </a:schemeClr>
         </a:solidFill>
         <a:effectLst/>
       </p:bgPr>
@@ -3332,10 +3346,45 @@
       </p:grpSpPr>
       <p:sp>
         <p:nvSpPr>
-          <p:cNvPr id="10" name="Rectangle 9">
-            <a:extLst>
-              <a:ext uri="{FF2B5EF4-FFF2-40B4-BE49-F238E27FC236}">
-                <a16:creationId xmlns:a16="http://schemas.microsoft.com/office/drawing/2014/main" id="{86FF76B9-219D-4469-AF87-0236D29032F1}"/>
+          <p:cNvPr id="2" name="Title 1">
+            <a:extLst>
+              <a:ext uri="{FF2B5EF4-FFF2-40B4-BE49-F238E27FC236}">
+                <a16:creationId xmlns:a16="http://schemas.microsoft.com/office/drawing/2014/main" id="{9ACA614D-012C-0EB4-58A1-092C682F0C58}"/>
+              </a:ext>
+            </a:extLst>
+          </p:cNvPr>
+          <p:cNvSpPr>
+            <a:spLocks noGrp="1"/>
+          </p:cNvSpPr>
+          <p:nvPr>
+            <p:ph type="title"/>
+          </p:nvPr>
+        </p:nvSpPr>
+        <p:spPr>
+          <a:xfrm>
+            <a:off x="804673" y="1445494"/>
+            <a:ext cx="3616856" cy="4376572"/>
+          </a:xfrm>
+        </p:spPr>
+        <p:txBody>
+          <a:bodyPr anchor="ctr">
+            <a:normAutofit/>
+          </a:bodyPr>
+          <a:lstStyle/>
+          <a:p>
+            <a:r>
+              <a:rPr lang="en-US" sz="4800"/>
+              <a:t>Snake AI</a:t>
+            </a:r>
+          </a:p>
+        </p:txBody>
+      </p:sp>
+      <p:sp>
+        <p:nvSpPr>
+          <p:cNvPr id="28" name="Freeform: Shape 27">
+            <a:extLst>
+              <a:ext uri="{FF2B5EF4-FFF2-40B4-BE49-F238E27FC236}">
+                <a16:creationId xmlns:a16="http://schemas.microsoft.com/office/drawing/2014/main" id="{DFF2AC85-FAA0-4844-813F-83C04D7382E2}"/>
               </a:ext>
               <a:ext uri="{C183D7F6-B498-43B3-948B-1728B52AA6E4}">
                 <adec:decorative xmlns:adec="http://schemas.microsoft.com/office/drawing/2017/decorative" val="1"/>
@@ -3355,287 +3404,76 @@
         </p:nvSpPr>
         <p:spPr>
           <a:xfrm>
-            <a:off x="0" y="0"/>
-            <a:ext cx="12192000" cy="6858000"/>
+            <a:off x="4907636" y="0"/>
+            <a:ext cx="7281316" cy="6858000"/>
           </a:xfrm>
-          <a:prstGeom prst="rect">
+          <a:custGeom>
             <a:avLst/>
-          </a:prstGeom>
+            <a:gdLst>
+              <a:gd name="connsiteX0" fmla="*/ 361354 w 7281316"/>
+              <a:gd name="connsiteY0" fmla="*/ 0 h 6858000"/>
+              <a:gd name="connsiteX1" fmla="*/ 7281316 w 7281316"/>
+              <a:gd name="connsiteY1" fmla="*/ 0 h 6858000"/>
+              <a:gd name="connsiteX2" fmla="*/ 7281316 w 7281316"/>
+              <a:gd name="connsiteY2" fmla="*/ 6858000 h 6858000"/>
+              <a:gd name="connsiteX3" fmla="*/ 696735 w 7281316"/>
+              <a:gd name="connsiteY3" fmla="*/ 6858000 h 6858000"/>
+              <a:gd name="connsiteX4" fmla="*/ 690849 w 7281316"/>
+              <a:gd name="connsiteY4" fmla="*/ 6842426 h 6858000"/>
+              <a:gd name="connsiteX5" fmla="*/ 335637 w 7281316"/>
+              <a:gd name="connsiteY5" fmla="*/ 94722 h 6858000"/>
+            </a:gdLst>
+            <a:ahLst/>
+            <a:cxnLst>
+              <a:cxn ang="0">
+                <a:pos x="connsiteX0" y="connsiteY0"/>
+              </a:cxn>
+              <a:cxn ang="0">
+                <a:pos x="connsiteX1" y="connsiteY1"/>
+              </a:cxn>
+              <a:cxn ang="0">
+                <a:pos x="connsiteX2" y="connsiteY2"/>
+              </a:cxn>
+              <a:cxn ang="0">
+                <a:pos x="connsiteX3" y="connsiteY3"/>
+              </a:cxn>
+              <a:cxn ang="0">
+                <a:pos x="connsiteX4" y="connsiteY4"/>
+              </a:cxn>
+              <a:cxn ang="0">
+                <a:pos x="connsiteX5" y="connsiteY5"/>
+              </a:cxn>
+            </a:cxnLst>
+            <a:rect l="l" t="t" r="r" b="b"/>
+            <a:pathLst>
+              <a:path w="7281316" h="6858000">
+                <a:moveTo>
+                  <a:pt x="361354" y="0"/>
+                </a:moveTo>
+                <a:lnTo>
+                  <a:pt x="7281316" y="0"/>
+                </a:lnTo>
+                <a:lnTo>
+                  <a:pt x="7281316" y="6858000"/>
+                </a:lnTo>
+                <a:lnTo>
+                  <a:pt x="696735" y="6858000"/>
+                </a:lnTo>
+                <a:lnTo>
+                  <a:pt x="690849" y="6842426"/>
+                </a:lnTo>
+                <a:cubicBezTo>
+                  <a:pt x="-65870" y="4704140"/>
+                  <a:pt x="-226206" y="2374054"/>
+                  <a:pt x="335637" y="94722"/>
+                </a:cubicBezTo>
+                <a:close/>
+              </a:path>
+            </a:pathLst>
+          </a:custGeom>
           <a:solidFill>
-            <a:schemeClr val="bg1"/>
-          </a:solidFill>
-          <a:ln>
-            <a:noFill/>
-          </a:ln>
-        </p:spPr>
-        <p:style>
-          <a:lnRef idx="2">
-            <a:schemeClr val="accent1">
-              <a:shade val="50000"/>
-            </a:schemeClr>
-          </a:lnRef>
-          <a:fillRef idx="1">
-            <a:schemeClr val="accent1"/>
-          </a:fillRef>
-          <a:effectRef idx="0">
-            <a:schemeClr val="accent1"/>
-          </a:effectRef>
-          <a:fontRef idx="minor">
-            <a:schemeClr val="lt1"/>
-          </a:fontRef>
-        </p:style>
-        <p:txBody>
-          <a:bodyPr rtlCol="0" anchor="ctr"/>
-          <a:lstStyle/>
-          <a:p>
-            <a:pPr algn="ctr"/>
-            <a:endParaRPr lang="en-US" dirty="0"/>
-          </a:p>
-        </p:txBody>
-      </p:sp>
-      <p:grpSp>
-        <p:nvGrpSpPr>
-          <p:cNvPr id="12" name="Group 11">
-            <a:extLst>
-              <a:ext uri="{FF2B5EF4-FFF2-40B4-BE49-F238E27FC236}">
-                <a16:creationId xmlns:a16="http://schemas.microsoft.com/office/drawing/2014/main" id="{DB88BD78-87E1-424D-B479-C37D8E41B12E}"/>
-              </a:ext>
-              <a:ext uri="{C183D7F6-B498-43B3-948B-1728B52AA6E4}">
-                <adec:decorative xmlns:adec="http://schemas.microsoft.com/office/drawing/2017/decorative" val="1"/>
-              </a:ext>
-            </a:extLst>
-          </p:cNvPr>
-          <p:cNvGrpSpPr>
-            <a:grpSpLocks noGrp="1" noUngrp="1" noRot="1" noChangeAspect="1" noMove="1" noResize="1"/>
-          </p:cNvGrpSpPr>
-          <p:nvPr>
-            <p:extLst>
-              <p:ext uri="{386F3935-93C4-4BCD-93E2-E3B085C9AB24}">
-                <p16:designElem xmlns:p16="http://schemas.microsoft.com/office/powerpoint/2015/main" val="1"/>
-              </p:ext>
-            </p:extLst>
-          </p:nvPr>
-        </p:nvGrpSpPr>
-        <p:grpSpPr>
-          <a:xfrm flipH="1">
-            <a:off x="10964637" y="2358"/>
-            <a:ext cx="1876653" cy="1766008"/>
-            <a:chOff x="-648769" y="2358"/>
-            <a:chExt cx="1876653" cy="1766008"/>
-          </a:xfrm>
-        </p:grpSpPr>
-        <p:sp>
-          <p:nvSpPr>
-            <p:cNvPr id="13" name="Freeform: Shape 12">
-              <a:extLst>
-                <a:ext uri="{FF2B5EF4-FFF2-40B4-BE49-F238E27FC236}">
-                  <a16:creationId xmlns:a16="http://schemas.microsoft.com/office/drawing/2014/main" id="{C05EB894-9410-4B20-95E4-7A25101AB895}"/>
-                </a:ext>
-                <a:ext uri="{C183D7F6-B498-43B3-948B-1728B52AA6E4}">
-                  <adec:decorative xmlns:adec="http://schemas.microsoft.com/office/drawing/2017/decorative" val="1"/>
-                </a:ext>
-              </a:extLst>
-            </p:cNvPr>
-            <p:cNvSpPr/>
-            <p:nvPr>
-              <p:extLst>
-                <p:ext uri="{386F3935-93C4-4BCD-93E2-E3B085C9AB24}">
-                  <p16:designElem xmlns:p16="http://schemas.microsoft.com/office/powerpoint/2015/main" val="1"/>
-                </p:ext>
-              </p:extLst>
-            </p:nvPr>
-          </p:nvSpPr>
-          <p:spPr>
-            <a:xfrm rot="2700000">
-              <a:off x="-415188" y="-231223"/>
-              <a:ext cx="1409491" cy="1876653"/>
-            </a:xfrm>
-            <a:custGeom>
-              <a:avLst/>
-              <a:gdLst>
-                <a:gd name="connsiteX0" fmla="*/ 0 w 1409491"/>
-                <a:gd name="connsiteY0" fmla="*/ 643075 h 1876653"/>
-                <a:gd name="connsiteX1" fmla="*/ 643075 w 1409491"/>
-                <a:gd name="connsiteY1" fmla="*/ 0 h 1876653"/>
-                <a:gd name="connsiteX2" fmla="*/ 1409491 w 1409491"/>
-                <a:gd name="connsiteY2" fmla="*/ 0 h 1876653"/>
-                <a:gd name="connsiteX3" fmla="*/ 1409491 w 1409491"/>
-                <a:gd name="connsiteY3" fmla="*/ 1876653 h 1876653"/>
-                <a:gd name="connsiteX4" fmla="*/ 1233578 w 1409491"/>
-                <a:gd name="connsiteY4" fmla="*/ 1876653 h 1876653"/>
-              </a:gdLst>
-              <a:ahLst/>
-              <a:cxnLst>
-                <a:cxn ang="0">
-                  <a:pos x="connsiteX0" y="connsiteY0"/>
-                </a:cxn>
-                <a:cxn ang="0">
-                  <a:pos x="connsiteX1" y="connsiteY1"/>
-                </a:cxn>
-                <a:cxn ang="0">
-                  <a:pos x="connsiteX2" y="connsiteY2"/>
-                </a:cxn>
-                <a:cxn ang="0">
-                  <a:pos x="connsiteX3" y="connsiteY3"/>
-                </a:cxn>
-                <a:cxn ang="0">
-                  <a:pos x="connsiteX4" y="connsiteY4"/>
-                </a:cxn>
-              </a:cxnLst>
-              <a:rect l="l" t="t" r="r" b="b"/>
-              <a:pathLst>
-                <a:path w="1409491" h="1876653">
-                  <a:moveTo>
-                    <a:pt x="0" y="643075"/>
-                  </a:moveTo>
-                  <a:lnTo>
-                    <a:pt x="643075" y="0"/>
-                  </a:lnTo>
-                  <a:lnTo>
-                    <a:pt x="1409491" y="0"/>
-                  </a:lnTo>
-                  <a:lnTo>
-                    <a:pt x="1409491" y="1876653"/>
-                  </a:lnTo>
-                  <a:lnTo>
-                    <a:pt x="1233578" y="1876653"/>
-                  </a:lnTo>
-                  <a:close/>
-                </a:path>
-              </a:pathLst>
-            </a:custGeom>
-            <a:solidFill>
-              <a:schemeClr val="accent1">
-                <a:alpha val="30000"/>
-              </a:schemeClr>
-            </a:solidFill>
-            <a:ln>
-              <a:noFill/>
-            </a:ln>
-          </p:spPr>
-          <p:style>
-            <a:lnRef idx="2">
-              <a:schemeClr val="accent1">
-                <a:shade val="50000"/>
-              </a:schemeClr>
-            </a:lnRef>
-            <a:fillRef idx="1">
-              <a:schemeClr val="accent1"/>
-            </a:fillRef>
-            <a:effectRef idx="0">
-              <a:schemeClr val="accent1"/>
-            </a:effectRef>
-            <a:fontRef idx="minor">
-              <a:schemeClr val="lt1"/>
-            </a:fontRef>
-          </p:style>
-          <p:txBody>
-            <a:bodyPr rtlCol="0" anchor="ctr"/>
-            <a:lstStyle/>
-            <a:p>
-              <a:pPr algn="ctr"/>
-              <a:endParaRPr lang="en-US"/>
-            </a:p>
-          </p:txBody>
-        </p:sp>
-        <p:sp>
-          <p:nvSpPr>
-            <p:cNvPr id="14" name="Rectangle 13">
-              <a:extLst>
-                <a:ext uri="{FF2B5EF4-FFF2-40B4-BE49-F238E27FC236}">
-                  <a16:creationId xmlns:a16="http://schemas.microsoft.com/office/drawing/2014/main" id="{166E38B6-B050-4340-8E8F-3A971DADC031}"/>
-                </a:ext>
-                <a:ext uri="{C183D7F6-B498-43B3-948B-1728B52AA6E4}">
-                  <adec:decorative xmlns:adec="http://schemas.microsoft.com/office/drawing/2017/decorative" val="1"/>
-                </a:ext>
-              </a:extLst>
-            </p:cNvPr>
-            <p:cNvSpPr/>
-            <p:nvPr>
-              <p:extLst>
-                <p:ext uri="{386F3935-93C4-4BCD-93E2-E3B085C9AB24}">
-                  <p16:designElem xmlns:p16="http://schemas.microsoft.com/office/powerpoint/2015/main" val="1"/>
-                </p:ext>
-              </p:extLst>
-            </p:nvPr>
-          </p:nvSpPr>
-          <p:spPr>
-            <a:xfrm rot="2700000">
-              <a:off x="301285" y="1282788"/>
-              <a:ext cx="485578" cy="485578"/>
-            </a:xfrm>
-            <a:prstGeom prst="rect">
-              <a:avLst/>
-            </a:prstGeom>
-            <a:solidFill>
-              <a:schemeClr val="accent1">
-                <a:alpha val="30000"/>
-              </a:schemeClr>
-            </a:solidFill>
-            <a:ln>
-              <a:noFill/>
-            </a:ln>
-          </p:spPr>
-          <p:style>
-            <a:lnRef idx="2">
-              <a:schemeClr val="accent1">
-                <a:shade val="50000"/>
-              </a:schemeClr>
-            </a:lnRef>
-            <a:fillRef idx="1">
-              <a:schemeClr val="accent1"/>
-            </a:fillRef>
-            <a:effectRef idx="0">
-              <a:schemeClr val="accent1"/>
-            </a:effectRef>
-            <a:fontRef idx="minor">
-              <a:schemeClr val="lt1"/>
-            </a:fontRef>
-          </p:style>
-          <p:txBody>
-            <a:bodyPr rtlCol="0" anchor="ctr"/>
-            <a:lstStyle/>
-            <a:p>
-              <a:pPr algn="ctr"/>
-              <a:endParaRPr lang="en-US"/>
-            </a:p>
-          </p:txBody>
-        </p:sp>
-      </p:grpSp>
-      <p:sp>
-        <p:nvSpPr>
-          <p:cNvPr id="16" name="Rectangle 15">
-            <a:extLst>
-              <a:ext uri="{FF2B5EF4-FFF2-40B4-BE49-F238E27FC236}">
-                <a16:creationId xmlns:a16="http://schemas.microsoft.com/office/drawing/2014/main" id="{2E80C965-DB6D-4F81-9E9E-B027384D0BD6}"/>
-              </a:ext>
-              <a:ext uri="{C183D7F6-B498-43B3-948B-1728B52AA6E4}">
-                <adec:decorative xmlns:adec="http://schemas.microsoft.com/office/drawing/2017/decorative" val="1"/>
-              </a:ext>
-            </a:extLst>
-          </p:cNvPr>
-          <p:cNvSpPr>
-            <a:spLocks noGrp="1" noRot="1" noChangeAspect="1" noMove="1" noResize="1" noEditPoints="1" noAdjustHandles="1" noChangeArrowheads="1" noChangeShapeType="1" noTextEdit="1"/>
-          </p:cNvSpPr>
-          <p:nvPr>
-            <p:extLst>
-              <p:ext uri="{386F3935-93C4-4BCD-93E2-E3B085C9AB24}">
-                <p16:designElem xmlns:p16="http://schemas.microsoft.com/office/powerpoint/2015/main" val="1"/>
-              </p:ext>
-            </p:extLst>
-          </p:nvPr>
-        </p:nvSpPr>
-        <p:spPr>
-          <a:xfrm rot="2700000">
-            <a:off x="2737196" y="6033666"/>
-            <a:ext cx="645368" cy="645368"/>
-          </a:xfrm>
-          <a:prstGeom prst="rect">
-            <a:avLst/>
-          </a:prstGeom>
-          <a:solidFill>
-            <a:schemeClr val="accent4">
-              <a:alpha val="30000"/>
+            <a:schemeClr val="tx1">
+              <a:alpha val="80000"/>
             </a:schemeClr>
           </a:solidFill>
           <a:ln>
@@ -3669,10 +3507,10 @@
       </p:sp>
       <p:sp>
         <p:nvSpPr>
-          <p:cNvPr id="18" name="Isosceles Triangle 17">
-            <a:extLst>
-              <a:ext uri="{FF2B5EF4-FFF2-40B4-BE49-F238E27FC236}">
-                <a16:creationId xmlns:a16="http://schemas.microsoft.com/office/drawing/2014/main" id="{633C5E46-DAC5-4661-9C87-22B08E2A512F}"/>
+          <p:cNvPr id="30" name="Freeform: Shape 29">
+            <a:extLst>
+              <a:ext uri="{FF2B5EF4-FFF2-40B4-BE49-F238E27FC236}">
+                <a16:creationId xmlns:a16="http://schemas.microsoft.com/office/drawing/2014/main" id="{89CC0F1E-BAA2-47B1-8F83-7ECB9FD9E009}"/>
               </a:ext>
               <a:ext uri="{C183D7F6-B498-43B3-948B-1728B52AA6E4}">
                 <adec:decorative xmlns:adec="http://schemas.microsoft.com/office/drawing/2017/decorative" val="1"/>
@@ -3692,17 +3530,76 @@
         </p:nvSpPr>
         <p:spPr>
           <a:xfrm>
-            <a:off x="1343436" y="5721108"/>
-            <a:ext cx="2261965" cy="1136891"/>
+            <a:off x="5189558" y="0"/>
+            <a:ext cx="6999394" cy="6858000"/>
           </a:xfrm>
-          <a:prstGeom prst="triangle">
-            <a:avLst>
-              <a:gd name="adj" fmla="val 50000"/>
-            </a:avLst>
-          </a:prstGeom>
+          <a:custGeom>
+            <a:avLst/>
+            <a:gdLst>
+              <a:gd name="connsiteX0" fmla="*/ 6999394 w 6999394"/>
+              <a:gd name="connsiteY0" fmla="*/ 0 h 6858000"/>
+              <a:gd name="connsiteX1" fmla="*/ 6999394 w 6999394"/>
+              <a:gd name="connsiteY1" fmla="*/ 6858000 h 6858000"/>
+              <a:gd name="connsiteX2" fmla="*/ 717029 w 6999394"/>
+              <a:gd name="connsiteY2" fmla="*/ 6858000 h 6858000"/>
+              <a:gd name="connsiteX3" fmla="*/ 623642 w 6999394"/>
+              <a:gd name="connsiteY3" fmla="*/ 6599363 h 6858000"/>
+              <a:gd name="connsiteX4" fmla="*/ 319533 w 6999394"/>
+              <a:gd name="connsiteY4" fmla="*/ 193787 h 6858000"/>
+              <a:gd name="connsiteX5" fmla="*/ 371685 w 6999394"/>
+              <a:gd name="connsiteY5" fmla="*/ 1 h 6858000"/>
+            </a:gdLst>
+            <a:ahLst/>
+            <a:cxnLst>
+              <a:cxn ang="0">
+                <a:pos x="connsiteX0" y="connsiteY0"/>
+              </a:cxn>
+              <a:cxn ang="0">
+                <a:pos x="connsiteX1" y="connsiteY1"/>
+              </a:cxn>
+              <a:cxn ang="0">
+                <a:pos x="connsiteX2" y="connsiteY2"/>
+              </a:cxn>
+              <a:cxn ang="0">
+                <a:pos x="connsiteX3" y="connsiteY3"/>
+              </a:cxn>
+              <a:cxn ang="0">
+                <a:pos x="connsiteX4" y="connsiteY4"/>
+              </a:cxn>
+              <a:cxn ang="0">
+                <a:pos x="connsiteX5" y="connsiteY5"/>
+              </a:cxn>
+            </a:cxnLst>
+            <a:rect l="l" t="t" r="r" b="b"/>
+            <a:pathLst>
+              <a:path w="6999394" h="6858000">
+                <a:moveTo>
+                  <a:pt x="6999394" y="0"/>
+                </a:moveTo>
+                <a:lnTo>
+                  <a:pt x="6999394" y="6858000"/>
+                </a:lnTo>
+                <a:lnTo>
+                  <a:pt x="717029" y="6858000"/>
+                </a:lnTo>
+                <a:lnTo>
+                  <a:pt x="623642" y="6599363"/>
+                </a:lnTo>
+                <a:cubicBezTo>
+                  <a:pt x="-67685" y="4563346"/>
+                  <a:pt x="-206622" y="2355719"/>
+                  <a:pt x="319533" y="193787"/>
+                </a:cubicBezTo>
+                <a:lnTo>
+                  <a:pt x="371685" y="1"/>
+                </a:lnTo>
+                <a:close/>
+              </a:path>
+            </a:pathLst>
+          </a:custGeom>
           <a:solidFill>
-            <a:schemeClr val="accent4">
-              <a:alpha val="30000"/>
+            <a:schemeClr val="tx1">
+              <a:alpha val="80000"/>
             </a:schemeClr>
           </a:solidFill>
           <a:ln>
@@ -3734,335 +3631,61 @@
           </a:p>
         </p:txBody>
       </p:sp>
-      <p:pic>
-        <p:nvPicPr>
-          <p:cNvPr id="5" name="Picture 4" descr="Diagram&#10;&#10;Description automatically generated with medium confidence">
-            <a:extLst>
-              <a:ext uri="{FF2B5EF4-FFF2-40B4-BE49-F238E27FC236}">
-                <a16:creationId xmlns:a16="http://schemas.microsoft.com/office/drawing/2014/main" id="{8CDB2AA2-56A2-1440-B5B2-1DD3A265C65B}"/>
-              </a:ext>
-            </a:extLst>
-          </p:cNvPr>
-          <p:cNvPicPr>
-            <a:picLocks noChangeAspect="1"/>
-          </p:cNvPicPr>
-          <p:nvPr/>
-        </p:nvPicPr>
-        <p:blipFill>
-          <a:blip r:embed="rId2"/>
-          <a:stretch>
-            <a:fillRect/>
-          </a:stretch>
-        </p:blipFill>
+      <p:sp>
+        <p:nvSpPr>
+          <p:cNvPr id="3" name="Content Placeholder 2">
+            <a:extLst>
+              <a:ext uri="{FF2B5EF4-FFF2-40B4-BE49-F238E27FC236}">
+                <a16:creationId xmlns:a16="http://schemas.microsoft.com/office/drawing/2014/main" id="{08101A0A-A75E-AE27-7D81-B361402E0C64}"/>
+              </a:ext>
+            </a:extLst>
+          </p:cNvPr>
+          <p:cNvSpPr>
+            <a:spLocks noGrp="1"/>
+          </p:cNvSpPr>
+          <p:nvPr>
+            <p:ph idx="1"/>
+          </p:nvPr>
+        </p:nvSpPr>
         <p:spPr>
           <a:xfrm>
-            <a:off x="2883092" y="609278"/>
-            <a:ext cx="6496869" cy="5571065"/>
+            <a:off x="6096000" y="1399032"/>
+            <a:ext cx="5501834" cy="4471416"/>
           </a:xfrm>
-          <a:prstGeom prst="rect">
-            <a:avLst/>
-          </a:prstGeom>
-          <a:ln>
-            <a:noFill/>
-          </a:ln>
         </p:spPr>
-      </p:pic>
-      <p:sp>
-        <p:nvSpPr>
-          <p:cNvPr id="6" name="TextBox 5">
-            <a:extLst>
-              <a:ext uri="{FF2B5EF4-FFF2-40B4-BE49-F238E27FC236}">
-                <a16:creationId xmlns:a16="http://schemas.microsoft.com/office/drawing/2014/main" id="{47AFDC59-EFA6-8B80-8194-E0985BA319F0}"/>
-              </a:ext>
-            </a:extLst>
-          </p:cNvPr>
-          <p:cNvSpPr txBox="1"/>
-          <p:nvPr/>
-        </p:nvSpPr>
-        <p:spPr>
-          <a:xfrm>
-            <a:off x="195942" y="2505670"/>
-            <a:ext cx="3032449" cy="1846659"/>
-          </a:xfrm>
-          <a:prstGeom prst="rect">
-            <a:avLst/>
-          </a:prstGeom>
-          <a:noFill/>
-        </p:spPr>
-        <p:txBody>
-          <a:bodyPr wrap="square" rtlCol="0">
-            <a:spAutoFit/>
+        <p:txBody>
+          <a:bodyPr anchor="ctr">
+            <a:normAutofit/>
           </a:bodyPr>
           <a:lstStyle/>
           <a:p>
             <a:r>
-              <a:rPr lang="en-US" dirty="0"/>
-              <a:t>Input layer:</a:t>
-            </a:r>
-          </a:p>
-          <a:p>
-            <a:pPr marL="228600" indent="-228600">
-              <a:buAutoNum type="arabicPeriod"/>
-            </a:pPr>
-            <a:r>
-              <a:rPr lang="en-US" sz="1200" dirty="0"/>
-              <a:t>Distance to food in X direction</a:t>
-            </a:r>
-          </a:p>
-          <a:p>
-            <a:pPr marL="228600" indent="-228600">
-              <a:buAutoNum type="arabicPeriod"/>
-            </a:pPr>
-            <a:r>
-              <a:rPr lang="en-US" sz="1200" dirty="0"/>
-              <a:t>Distance to food in Y direction</a:t>
-            </a:r>
-          </a:p>
-          <a:p>
-            <a:pPr marL="228600" indent="-228600">
-              <a:buAutoNum type="arabicPeriod"/>
-            </a:pPr>
-            <a:r>
-              <a:rPr lang="en-US" sz="1200" dirty="0"/>
-              <a:t>Boolean: Will going N result in death?</a:t>
-            </a:r>
-          </a:p>
-          <a:p>
-            <a:pPr marL="228600" indent="-228600">
-              <a:buFontTx/>
-              <a:buAutoNum type="arabicPeriod"/>
-            </a:pPr>
-            <a:r>
-              <a:rPr lang="en-US" sz="1200" dirty="0"/>
-              <a:t>Boolean: Will going S result in death?</a:t>
-            </a:r>
-          </a:p>
-          <a:p>
-            <a:pPr marL="228600" indent="-228600">
-              <a:buFontTx/>
-              <a:buAutoNum type="arabicPeriod"/>
-            </a:pPr>
-            <a:r>
-              <a:rPr lang="en-US" sz="1200" dirty="0"/>
-              <a:t>Boolean: Will going E result in death?</a:t>
-            </a:r>
-          </a:p>
-          <a:p>
-            <a:pPr marL="228600" indent="-228600">
-              <a:buFontTx/>
-              <a:buAutoNum type="arabicPeriod"/>
-            </a:pPr>
-            <a:r>
-              <a:rPr lang="en-US" sz="1200" dirty="0"/>
-              <a:t>Boolean: Will going W result in death?</a:t>
-            </a:r>
-          </a:p>
-          <a:p>
-            <a:pPr marL="228600" indent="-228600">
-              <a:buAutoNum type="arabicPeriod"/>
-            </a:pPr>
-            <a:endParaRPr lang="en-US" sz="1200" dirty="0"/>
-          </a:p>
-          <a:p>
-            <a:endParaRPr lang="en-US" sz="1200" dirty="0"/>
-          </a:p>
-        </p:txBody>
-      </p:sp>
-      <p:sp>
-        <p:nvSpPr>
-          <p:cNvPr id="15" name="TextBox 14">
-            <a:extLst>
-              <a:ext uri="{FF2B5EF4-FFF2-40B4-BE49-F238E27FC236}">
-                <a16:creationId xmlns:a16="http://schemas.microsoft.com/office/drawing/2014/main" id="{DD8C9391-B6AD-1E79-B3BA-4FFEE0E0C256}"/>
-              </a:ext>
-            </a:extLst>
-          </p:cNvPr>
-          <p:cNvSpPr txBox="1"/>
-          <p:nvPr/>
-        </p:nvSpPr>
-        <p:spPr>
-          <a:xfrm>
-            <a:off x="4092067" y="77120"/>
-            <a:ext cx="1940473" cy="892552"/>
-          </a:xfrm>
-          <a:prstGeom prst="rect">
-            <a:avLst/>
-          </a:prstGeom>
-          <a:noFill/>
-        </p:spPr>
-        <p:txBody>
-          <a:bodyPr wrap="square" rtlCol="0">
-            <a:spAutoFit/>
-          </a:bodyPr>
-          <a:lstStyle/>
-          <a:p>
-            <a:r>
-              <a:rPr lang="en-US" sz="1400" dirty="0"/>
-              <a:t>Hidden layer: 20 nodes</a:t>
-            </a:r>
-          </a:p>
-          <a:p>
-            <a:r>
-              <a:rPr lang="en-US" sz="1400" dirty="0"/>
-              <a:t>Activation: Linear</a:t>
-            </a:r>
-          </a:p>
-          <a:p>
-            <a:pPr marL="228600" indent="-228600">
-              <a:buAutoNum type="arabicPeriod"/>
-            </a:pPr>
-            <a:endParaRPr lang="en-US" sz="1200" dirty="0"/>
-          </a:p>
-          <a:p>
-            <a:endParaRPr lang="en-US" sz="1200" dirty="0"/>
-          </a:p>
-        </p:txBody>
-      </p:sp>
-      <p:sp>
-        <p:nvSpPr>
-          <p:cNvPr id="17" name="TextBox 16">
-            <a:extLst>
-              <a:ext uri="{FF2B5EF4-FFF2-40B4-BE49-F238E27FC236}">
-                <a16:creationId xmlns:a16="http://schemas.microsoft.com/office/drawing/2014/main" id="{2BACDFA6-A718-6054-6DA3-983AD82E477F}"/>
-              </a:ext>
-            </a:extLst>
-          </p:cNvPr>
-          <p:cNvSpPr txBox="1"/>
-          <p:nvPr/>
-        </p:nvSpPr>
-        <p:spPr>
-          <a:xfrm>
-            <a:off x="6271278" y="77120"/>
-            <a:ext cx="1940473" cy="892552"/>
-          </a:xfrm>
-          <a:prstGeom prst="rect">
-            <a:avLst/>
-          </a:prstGeom>
-          <a:noFill/>
-        </p:spPr>
-        <p:txBody>
-          <a:bodyPr wrap="square" rtlCol="0">
-            <a:spAutoFit/>
-          </a:bodyPr>
-          <a:lstStyle/>
-          <a:p>
-            <a:r>
-              <a:rPr lang="en-US" sz="1400" dirty="0"/>
-              <a:t>Hidden layer: 20 nodes</a:t>
-            </a:r>
-          </a:p>
-          <a:p>
-            <a:r>
-              <a:rPr lang="en-US" sz="1400" dirty="0"/>
-              <a:t>Activation: Linear</a:t>
-            </a:r>
-          </a:p>
-          <a:p>
-            <a:pPr marL="228600" indent="-228600">
-              <a:buAutoNum type="arabicPeriod"/>
-            </a:pPr>
-            <a:endParaRPr lang="en-US" sz="1200" dirty="0"/>
-          </a:p>
-          <a:p>
-            <a:endParaRPr lang="en-US" sz="1200" dirty="0"/>
-          </a:p>
-        </p:txBody>
-      </p:sp>
-      <p:sp>
-        <p:nvSpPr>
-          <p:cNvPr id="20" name="TextBox 19">
-            <a:extLst>
-              <a:ext uri="{FF2B5EF4-FFF2-40B4-BE49-F238E27FC236}">
-                <a16:creationId xmlns:a16="http://schemas.microsoft.com/office/drawing/2014/main" id="{74DDA387-AFD0-C49D-602A-A29AB52EC195}"/>
-              </a:ext>
-            </a:extLst>
-          </p:cNvPr>
-          <p:cNvSpPr txBox="1"/>
-          <p:nvPr/>
-        </p:nvSpPr>
-        <p:spPr>
-          <a:xfrm>
-            <a:off x="9269756" y="2424738"/>
-            <a:ext cx="3032449" cy="1846659"/>
-          </a:xfrm>
-          <a:prstGeom prst="rect">
-            <a:avLst/>
-          </a:prstGeom>
-          <a:noFill/>
-        </p:spPr>
-        <p:txBody>
-          <a:bodyPr wrap="square" rtlCol="0">
-            <a:spAutoFit/>
-          </a:bodyPr>
-          <a:lstStyle/>
-          <a:p>
-            <a:r>
-              <a:rPr lang="en-US" dirty="0"/>
-              <a:t>Output layer (SoftMax):</a:t>
-            </a:r>
-          </a:p>
-          <a:p>
-            <a:pPr marL="228600" indent="-228600">
-              <a:lnSpc>
-                <a:spcPct val="150000"/>
-              </a:lnSpc>
-              <a:buAutoNum type="arabicPeriod"/>
-            </a:pPr>
-            <a:r>
-              <a:rPr lang="en-US" sz="1400" dirty="0"/>
-              <a:t>Move North probability</a:t>
-            </a:r>
-          </a:p>
-          <a:p>
-            <a:pPr marL="228600" indent="-228600">
-              <a:lnSpc>
-                <a:spcPct val="150000"/>
-              </a:lnSpc>
-              <a:buAutoNum type="arabicPeriod"/>
-            </a:pPr>
-            <a:r>
-              <a:rPr lang="en-US" sz="1400" dirty="0"/>
-              <a:t>Move South probability</a:t>
-            </a:r>
-          </a:p>
-          <a:p>
-            <a:pPr marL="228600" indent="-228600">
-              <a:lnSpc>
-                <a:spcPct val="150000"/>
-              </a:lnSpc>
-              <a:buAutoNum type="arabicPeriod"/>
-            </a:pPr>
-            <a:r>
-              <a:rPr lang="en-US" sz="1400" dirty="0"/>
-              <a:t>Move East probability</a:t>
-            </a:r>
-          </a:p>
-          <a:p>
-            <a:pPr marL="228600" indent="-228600">
-              <a:lnSpc>
-                <a:spcPct val="150000"/>
-              </a:lnSpc>
-              <a:buAutoNum type="arabicPeriod"/>
-            </a:pPr>
-            <a:r>
-              <a:rPr lang="en-US" sz="1400" dirty="0"/>
-              <a:t>Move West probability</a:t>
-            </a:r>
-          </a:p>
-          <a:p>
-            <a:endParaRPr lang="en-US" sz="1200" dirty="0"/>
+              <a:rPr lang="en-US" sz="2200">
+                <a:solidFill>
+                  <a:schemeClr val="bg1"/>
+                </a:solidFill>
+              </a:rPr>
+              <a:t>By: Zachary Bowyer and Jonathan Olderr</a:t>
+            </a:r>
+          </a:p>
+          <a:p>
+            <a:endParaRPr lang="en-US" sz="2200">
+              <a:solidFill>
+                <a:schemeClr val="bg1"/>
+              </a:solidFill>
+            </a:endParaRPr>
           </a:p>
         </p:txBody>
       </p:sp>
     </p:spTree>
     <p:extLst>
       <p:ext uri="{BB962C8B-B14F-4D97-AF65-F5344CB8AC3E}">
-        <p14:creationId xmlns:p14="http://schemas.microsoft.com/office/powerpoint/2010/main" val="1682554761"/>
+        <p14:creationId xmlns:p14="http://schemas.microsoft.com/office/powerpoint/2010/main" val="1584028818"/>
       </p:ext>
     </p:extLst>
   </p:cSld>
   <p:clrMapOvr>
-    <a:masterClrMapping/>
+    <a:overrideClrMapping bg1="dk1" tx1="lt1" bg2="dk2" tx2="lt2" accent1="accent1" accent2="accent2" accent3="accent3" accent4="accent4" accent5="accent5" accent6="accent6" hlink="hlink" folHlink="folHlink"/>
   </p:clrMapOvr>
 </p:sld>
 </file>
@@ -4084,12 +3707,339 @@
           <a:chExt cx="0" cy="0"/>
         </a:xfrm>
       </p:grpSpPr>
+      <p:sp>
+        <p:nvSpPr>
+          <p:cNvPr id="2" name="Title 1">
+            <a:extLst>
+              <a:ext uri="{FF2B5EF4-FFF2-40B4-BE49-F238E27FC236}">
+                <a16:creationId xmlns:a16="http://schemas.microsoft.com/office/drawing/2014/main" id="{00815648-F10F-F582-82C3-63B566D61468}"/>
+              </a:ext>
+            </a:extLst>
+          </p:cNvPr>
+          <p:cNvSpPr>
+            <a:spLocks noGrp="1"/>
+          </p:cNvSpPr>
+          <p:nvPr>
+            <p:ph type="title"/>
+          </p:nvPr>
+        </p:nvSpPr>
+        <p:spPr/>
+        <p:txBody>
+          <a:bodyPr/>
+          <a:lstStyle/>
+          <a:p>
+            <a:r>
+              <a:rPr lang="en-US" dirty="0"/>
+              <a:t>Introduction:</a:t>
+            </a:r>
+          </a:p>
+        </p:txBody>
+      </p:sp>
+      <p:sp>
+        <p:nvSpPr>
+          <p:cNvPr id="3" name="Content Placeholder 2">
+            <a:extLst>
+              <a:ext uri="{FF2B5EF4-FFF2-40B4-BE49-F238E27FC236}">
+                <a16:creationId xmlns:a16="http://schemas.microsoft.com/office/drawing/2014/main" id="{B8EFF3DD-64CA-AEB9-2FBE-1AB8290816E7}"/>
+              </a:ext>
+            </a:extLst>
+          </p:cNvPr>
+          <p:cNvSpPr>
+            <a:spLocks noGrp="1"/>
+          </p:cNvSpPr>
+          <p:nvPr>
+            <p:ph idx="1"/>
+          </p:nvPr>
+        </p:nvSpPr>
+        <p:spPr/>
+        <p:txBody>
+          <a:bodyPr/>
+          <a:lstStyle/>
+          <a:p>
+            <a:r>
+              <a:rPr lang="en-US" dirty="0"/>
+              <a:t>Snake </a:t>
+            </a:r>
+          </a:p>
+          <a:p>
+            <a:r>
+              <a:rPr lang="en-US" dirty="0"/>
+              <a:t>The goal is to create an AI that can play the game snake and survive for as long as possible</a:t>
+            </a:r>
+          </a:p>
+          <a:p>
+            <a:endParaRPr lang="en-US" dirty="0"/>
+          </a:p>
+          <a:p>
+            <a:endParaRPr lang="en-US" dirty="0"/>
+          </a:p>
+        </p:txBody>
+      </p:sp>
+    </p:spTree>
+    <p:extLst>
+      <p:ext uri="{BB962C8B-B14F-4D97-AF65-F5344CB8AC3E}">
+        <p14:creationId xmlns:p14="http://schemas.microsoft.com/office/powerpoint/2010/main" val="1029376524"/>
+      </p:ext>
+    </p:extLst>
+  </p:cSld>
+  <p:clrMapOvr>
+    <a:masterClrMapping/>
+  </p:clrMapOvr>
+</p:sld>
+</file>
+
+<file path=ppt/slides/slide3.xml><?xml version="1.0" encoding="utf-8"?>
+<p:sld xmlns:a="http://schemas.openxmlformats.org/drawingml/2006/main" xmlns:r="http://schemas.openxmlformats.org/officeDocument/2006/relationships" xmlns:p="http://schemas.openxmlformats.org/presentationml/2006/main">
+  <p:cSld>
+    <p:spTree>
+      <p:nvGrpSpPr>
+        <p:cNvPr id="1" name=""/>
+        <p:cNvGrpSpPr/>
+        <p:nvPr/>
+      </p:nvGrpSpPr>
+      <p:grpSpPr>
+        <a:xfrm>
+          <a:off x="0" y="0"/>
+          <a:ext cx="0" cy="0"/>
+          <a:chOff x="0" y="0"/>
+          <a:chExt cx="0" cy="0"/>
+        </a:xfrm>
+      </p:grpSpPr>
+      <p:sp>
+        <p:nvSpPr>
+          <p:cNvPr id="2" name="Title 1">
+            <a:extLst>
+              <a:ext uri="{FF2B5EF4-FFF2-40B4-BE49-F238E27FC236}">
+                <a16:creationId xmlns:a16="http://schemas.microsoft.com/office/drawing/2014/main" id="{4859BD89-3005-04DA-77A4-24618B20E544}"/>
+              </a:ext>
+            </a:extLst>
+          </p:cNvPr>
+          <p:cNvSpPr>
+            <a:spLocks noGrp="1"/>
+          </p:cNvSpPr>
+          <p:nvPr>
+            <p:ph type="title"/>
+          </p:nvPr>
+        </p:nvSpPr>
+        <p:spPr/>
+        <p:txBody>
+          <a:bodyPr/>
+          <a:lstStyle/>
+          <a:p>
+            <a:r>
+              <a:rPr lang="en-US" dirty="0"/>
+              <a:t>Results</a:t>
+            </a:r>
+          </a:p>
+        </p:txBody>
+      </p:sp>
+      <p:sp>
+        <p:nvSpPr>
+          <p:cNvPr id="3" name="Content Placeholder 2">
+            <a:extLst>
+              <a:ext uri="{FF2B5EF4-FFF2-40B4-BE49-F238E27FC236}">
+                <a16:creationId xmlns:a16="http://schemas.microsoft.com/office/drawing/2014/main" id="{9DA4FB20-1C4D-1306-3F74-5C3B018E4B6D}"/>
+              </a:ext>
+            </a:extLst>
+          </p:cNvPr>
+          <p:cNvSpPr>
+            <a:spLocks noGrp="1"/>
+          </p:cNvSpPr>
+          <p:nvPr>
+            <p:ph idx="1"/>
+          </p:nvPr>
+        </p:nvSpPr>
+        <p:spPr/>
+        <p:txBody>
+          <a:bodyPr/>
+          <a:lstStyle/>
+          <a:p>
+            <a:r>
+              <a:rPr lang="en-US" dirty="0"/>
+              <a:t>Insert video here</a:t>
+            </a:r>
+          </a:p>
+          <a:p>
+            <a:r>
+              <a:rPr lang="en-US" dirty="0"/>
+              <a:t>Training took X hours</a:t>
+            </a:r>
+          </a:p>
+          <a:p>
+            <a:endParaRPr lang="en-US" dirty="0"/>
+          </a:p>
+          <a:p>
+            <a:endParaRPr lang="en-US" dirty="0"/>
+          </a:p>
+        </p:txBody>
+      </p:sp>
+    </p:spTree>
+    <p:extLst>
+      <p:ext uri="{BB962C8B-B14F-4D97-AF65-F5344CB8AC3E}">
+        <p14:creationId xmlns:p14="http://schemas.microsoft.com/office/powerpoint/2010/main" val="2302654016"/>
+      </p:ext>
+    </p:extLst>
+  </p:cSld>
+  <p:clrMapOvr>
+    <a:masterClrMapping/>
+  </p:clrMapOvr>
+</p:sld>
+</file>
+
+<file path=ppt/slides/slide4.xml><?xml version="1.0" encoding="utf-8"?>
+<p:sld xmlns:a="http://schemas.openxmlformats.org/drawingml/2006/main" xmlns:r="http://schemas.openxmlformats.org/officeDocument/2006/relationships" xmlns:p="http://schemas.openxmlformats.org/presentationml/2006/main">
+  <p:cSld>
+    <p:spTree>
+      <p:nvGrpSpPr>
+        <p:cNvPr id="1" name=""/>
+        <p:cNvGrpSpPr/>
+        <p:nvPr/>
+      </p:nvGrpSpPr>
+      <p:grpSpPr>
+        <a:xfrm>
+          <a:off x="0" y="0"/>
+          <a:ext cx="0" cy="0"/>
+          <a:chOff x="0" y="0"/>
+          <a:chExt cx="0" cy="0"/>
+        </a:xfrm>
+      </p:grpSpPr>
+      <p:sp>
+        <p:nvSpPr>
+          <p:cNvPr id="2" name="Title 1">
+            <a:extLst>
+              <a:ext uri="{FF2B5EF4-FFF2-40B4-BE49-F238E27FC236}">
+                <a16:creationId xmlns:a16="http://schemas.microsoft.com/office/drawing/2014/main" id="{22A2C707-7C96-6CEB-F23C-F9E031AC5C49}"/>
+              </a:ext>
+            </a:extLst>
+          </p:cNvPr>
+          <p:cNvSpPr>
+            <a:spLocks noGrp="1"/>
+          </p:cNvSpPr>
+          <p:nvPr>
+            <p:ph type="title"/>
+          </p:nvPr>
+        </p:nvSpPr>
+        <p:spPr/>
+        <p:txBody>
+          <a:bodyPr/>
+          <a:lstStyle/>
+          <a:p>
+            <a:r>
+              <a:rPr lang="en-US" dirty="0"/>
+              <a:t>Implementation</a:t>
+            </a:r>
+          </a:p>
+        </p:txBody>
+      </p:sp>
+      <p:sp>
+        <p:nvSpPr>
+          <p:cNvPr id="3" name="Content Placeholder 2">
+            <a:extLst>
+              <a:ext uri="{FF2B5EF4-FFF2-40B4-BE49-F238E27FC236}">
+                <a16:creationId xmlns:a16="http://schemas.microsoft.com/office/drawing/2014/main" id="{B0F13011-4FC5-F208-90E8-EBE7769BE9C7}"/>
+              </a:ext>
+            </a:extLst>
+          </p:cNvPr>
+          <p:cNvSpPr>
+            <a:spLocks noGrp="1"/>
+          </p:cNvSpPr>
+          <p:nvPr>
+            <p:ph idx="1"/>
+          </p:nvPr>
+        </p:nvSpPr>
+        <p:spPr/>
+        <p:txBody>
+          <a:bodyPr/>
+          <a:lstStyle/>
+          <a:p>
+            <a:r>
+              <a:rPr lang="en-US" dirty="0"/>
+              <a:t>Neural network</a:t>
+            </a:r>
+          </a:p>
+          <a:p>
+            <a:r>
+              <a:rPr lang="en-US" dirty="0"/>
+              <a:t>Genetic Algorithm</a:t>
+            </a:r>
+          </a:p>
+          <a:p>
+            <a:r>
+              <a:rPr lang="en-US" dirty="0"/>
+              <a:t>Fitness function</a:t>
+            </a:r>
+          </a:p>
+        </p:txBody>
+      </p:sp>
+    </p:spTree>
+    <p:extLst>
+      <p:ext uri="{BB962C8B-B14F-4D97-AF65-F5344CB8AC3E}">
+        <p14:creationId xmlns:p14="http://schemas.microsoft.com/office/powerpoint/2010/main" val="2870629147"/>
+      </p:ext>
+    </p:extLst>
+  </p:cSld>
+  <p:clrMapOvr>
+    <a:masterClrMapping/>
+  </p:clrMapOvr>
+</p:sld>
+</file>
+
+<file path=ppt/slides/slide5.xml><?xml version="1.0" encoding="utf-8"?>
+<p:sld xmlns:a="http://schemas.openxmlformats.org/drawingml/2006/main" xmlns:r="http://schemas.openxmlformats.org/officeDocument/2006/relationships" xmlns:p="http://schemas.openxmlformats.org/presentationml/2006/main">
+  <p:cSld>
+    <p:spTree>
+      <p:nvGrpSpPr>
+        <p:cNvPr id="1" name=""/>
+        <p:cNvGrpSpPr/>
+        <p:nvPr/>
+      </p:nvGrpSpPr>
+      <p:grpSpPr>
+        <a:xfrm>
+          <a:off x="0" y="0"/>
+          <a:ext cx="0" cy="0"/>
+          <a:chOff x="0" y="0"/>
+          <a:chExt cx="0" cy="0"/>
+        </a:xfrm>
+      </p:grpSpPr>
+      <p:sp>
+        <p:nvSpPr>
+          <p:cNvPr id="2" name="Title 1">
+            <a:extLst>
+              <a:ext uri="{FF2B5EF4-FFF2-40B4-BE49-F238E27FC236}">
+                <a16:creationId xmlns:a16="http://schemas.microsoft.com/office/drawing/2014/main" id="{415ADEF4-8537-3F1C-D506-7A54FDCC0AAF}"/>
+              </a:ext>
+            </a:extLst>
+          </p:cNvPr>
+          <p:cNvSpPr>
+            <a:spLocks noGrp="1"/>
+          </p:cNvSpPr>
+          <p:nvPr>
+            <p:ph type="title"/>
+          </p:nvPr>
+        </p:nvSpPr>
+        <p:spPr>
+          <a:xfrm>
+            <a:off x="3326499" y="-76701"/>
+            <a:ext cx="5610054" cy="1109058"/>
+          </a:xfrm>
+        </p:spPr>
+        <p:txBody>
+          <a:bodyPr/>
+          <a:lstStyle/>
+          <a:p>
+            <a:r>
+              <a:rPr lang="en-US" dirty="0"/>
+              <a:t>Neural network details</a:t>
+            </a:r>
+          </a:p>
+        </p:txBody>
+      </p:sp>
       <p:pic>
         <p:nvPicPr>
           <p:cNvPr id="4" name="Picture 3" descr="Diagram&#10;&#10;Description automatically generated with medium confidence">
             <a:extLst>
               <a:ext uri="{FF2B5EF4-FFF2-40B4-BE49-F238E27FC236}">
-                <a16:creationId xmlns:a16="http://schemas.microsoft.com/office/drawing/2014/main" id="{AB5BD8EE-72CB-8FF7-434F-E14C2C7AC1C2}"/>
+                <a16:creationId xmlns:a16="http://schemas.microsoft.com/office/drawing/2014/main" id="{BFDBF739-F36D-7CAE-4FCB-CC97B1E0E6BF}"/>
               </a:ext>
             </a:extLst>
           </p:cNvPr>
@@ -4106,8 +4056,8 @@
         </p:blipFill>
         <p:spPr>
           <a:xfrm>
-            <a:off x="2883092" y="609278"/>
-            <a:ext cx="6496869" cy="5571065"/>
+            <a:off x="2883092" y="1426024"/>
+            <a:ext cx="6496869" cy="5377227"/>
           </a:xfrm>
           <a:prstGeom prst="rect">
             <a:avLst/>
@@ -4122,7 +4072,7 @@
           <p:cNvPr id="5" name="TextBox 4">
             <a:extLst>
               <a:ext uri="{FF2B5EF4-FFF2-40B4-BE49-F238E27FC236}">
-                <a16:creationId xmlns:a16="http://schemas.microsoft.com/office/drawing/2014/main" id="{F9F625A8-6634-210A-47D8-D91B626FD2A3}"/>
+                <a16:creationId xmlns:a16="http://schemas.microsoft.com/office/drawing/2014/main" id="{7E30F132-84FD-15AE-1560-4EFF99311A2A}"/>
               </a:ext>
             </a:extLst>
           </p:cNvPr>
@@ -4131,7 +4081,7 @@
         </p:nvSpPr>
         <p:spPr>
           <a:xfrm>
-            <a:off x="195942" y="2505670"/>
+            <a:off x="195942" y="3322416"/>
             <a:ext cx="3032449" cy="1846659"/>
           </a:xfrm>
           <a:prstGeom prst="rect">
@@ -4223,7 +4173,7 @@
           <p:cNvPr id="6" name="TextBox 5">
             <a:extLst>
               <a:ext uri="{FF2B5EF4-FFF2-40B4-BE49-F238E27FC236}">
-                <a16:creationId xmlns:a16="http://schemas.microsoft.com/office/drawing/2014/main" id="{AD952AE6-93CA-BA50-E0DB-4AEBDA6F9803}"/>
+                <a16:creationId xmlns:a16="http://schemas.microsoft.com/office/drawing/2014/main" id="{9CC2D0CA-B531-15A7-7B5B-1FB06AABFFCE}"/>
               </a:ext>
             </a:extLst>
           </p:cNvPr>
@@ -4232,7 +4182,7 @@
         </p:nvSpPr>
         <p:spPr>
           <a:xfrm>
-            <a:off x="4092067" y="77120"/>
+            <a:off x="3459239" y="1115808"/>
             <a:ext cx="1940473" cy="892552"/>
           </a:xfrm>
           <a:prstGeom prst="rect">
@@ -4273,7 +4223,7 @@
           <p:cNvPr id="7" name="TextBox 6">
             <a:extLst>
               <a:ext uri="{FF2B5EF4-FFF2-40B4-BE49-F238E27FC236}">
-                <a16:creationId xmlns:a16="http://schemas.microsoft.com/office/drawing/2014/main" id="{0D6442F5-387C-01DE-7FCF-6D6BA0ED979C}"/>
+                <a16:creationId xmlns:a16="http://schemas.microsoft.com/office/drawing/2014/main" id="{8C42CB23-1042-9F7E-0B0D-2E3637CA83F7}"/>
               </a:ext>
             </a:extLst>
           </p:cNvPr>
@@ -4282,7 +4232,7 @@
         </p:nvSpPr>
         <p:spPr>
           <a:xfrm>
-            <a:off x="6271278" y="77120"/>
+            <a:off x="7368435" y="1032357"/>
             <a:ext cx="1940473" cy="892552"/>
           </a:xfrm>
           <a:prstGeom prst="rect">
@@ -4323,7 +4273,7 @@
           <p:cNvPr id="8" name="TextBox 7">
             <a:extLst>
               <a:ext uri="{FF2B5EF4-FFF2-40B4-BE49-F238E27FC236}">
-                <a16:creationId xmlns:a16="http://schemas.microsoft.com/office/drawing/2014/main" id="{C746DE86-6A7B-988B-2759-B43DFA517976}"/>
+                <a16:creationId xmlns:a16="http://schemas.microsoft.com/office/drawing/2014/main" id="{418CB787-0E89-9689-5AA4-A30BC6C94F18}"/>
               </a:ext>
             </a:extLst>
           </p:cNvPr>
@@ -4332,7 +4282,7 @@
         </p:nvSpPr>
         <p:spPr>
           <a:xfrm>
-            <a:off x="9269756" y="2424738"/>
+            <a:off x="9159551" y="3126074"/>
             <a:ext cx="3032449" cy="1846659"/>
           </a:xfrm>
           <a:prstGeom prst="rect">
@@ -4407,7 +4357,344 @@
     </p:spTree>
     <p:extLst>
       <p:ext uri="{BB962C8B-B14F-4D97-AF65-F5344CB8AC3E}">
-        <p14:creationId xmlns:p14="http://schemas.microsoft.com/office/powerpoint/2010/main" val="3937075480"/>
+        <p14:creationId xmlns:p14="http://schemas.microsoft.com/office/powerpoint/2010/main" val="2995419445"/>
+      </p:ext>
+    </p:extLst>
+  </p:cSld>
+  <p:clrMapOvr>
+    <a:masterClrMapping/>
+  </p:clrMapOvr>
+</p:sld>
+</file>
+
+<file path=ppt/slides/slide6.xml><?xml version="1.0" encoding="utf-8"?>
+<p:sld xmlns:a="http://schemas.openxmlformats.org/drawingml/2006/main" xmlns:r="http://schemas.openxmlformats.org/officeDocument/2006/relationships" xmlns:p="http://schemas.openxmlformats.org/presentationml/2006/main">
+  <p:cSld>
+    <p:spTree>
+      <p:nvGrpSpPr>
+        <p:cNvPr id="1" name=""/>
+        <p:cNvGrpSpPr/>
+        <p:nvPr/>
+      </p:nvGrpSpPr>
+      <p:grpSpPr>
+        <a:xfrm>
+          <a:off x="0" y="0"/>
+          <a:ext cx="0" cy="0"/>
+          <a:chOff x="0" y="0"/>
+          <a:chExt cx="0" cy="0"/>
+        </a:xfrm>
+      </p:grpSpPr>
+      <p:sp>
+        <p:nvSpPr>
+          <p:cNvPr id="2" name="Title 1">
+            <a:extLst>
+              <a:ext uri="{FF2B5EF4-FFF2-40B4-BE49-F238E27FC236}">
+                <a16:creationId xmlns:a16="http://schemas.microsoft.com/office/drawing/2014/main" id="{C0D540F9-118E-01F4-2DCC-3BDCFD7416F4}"/>
+              </a:ext>
+            </a:extLst>
+          </p:cNvPr>
+          <p:cNvSpPr>
+            <a:spLocks noGrp="1"/>
+          </p:cNvSpPr>
+          <p:nvPr>
+            <p:ph type="title"/>
+          </p:nvPr>
+        </p:nvSpPr>
+        <p:spPr/>
+        <p:txBody>
+          <a:bodyPr/>
+          <a:lstStyle/>
+          <a:p>
+            <a:r>
+              <a:rPr lang="en-US" dirty="0"/>
+              <a:t>Genetic algorithm details</a:t>
+            </a:r>
+          </a:p>
+        </p:txBody>
+      </p:sp>
+      <p:sp>
+        <p:nvSpPr>
+          <p:cNvPr id="3" name="Content Placeholder 2">
+            <a:extLst>
+              <a:ext uri="{FF2B5EF4-FFF2-40B4-BE49-F238E27FC236}">
+                <a16:creationId xmlns:a16="http://schemas.microsoft.com/office/drawing/2014/main" id="{D585DFD2-26B3-B586-65EA-82D0BFF79C2B}"/>
+              </a:ext>
+            </a:extLst>
+          </p:cNvPr>
+          <p:cNvSpPr>
+            <a:spLocks noGrp="1"/>
+          </p:cNvSpPr>
+          <p:nvPr>
+            <p:ph idx="1"/>
+          </p:nvPr>
+        </p:nvSpPr>
+        <p:spPr/>
+        <p:txBody>
+          <a:bodyPr/>
+          <a:lstStyle/>
+          <a:p>
+            <a:r>
+              <a:rPr lang="en-US" dirty="0"/>
+              <a:t>GA:</a:t>
+            </a:r>
+          </a:p>
+          <a:p>
+            <a:r>
+              <a:rPr lang="en-US" dirty="0"/>
+              <a:t>Fitness function</a:t>
+            </a:r>
+          </a:p>
+        </p:txBody>
+      </p:sp>
+    </p:spTree>
+    <p:extLst>
+      <p:ext uri="{BB962C8B-B14F-4D97-AF65-F5344CB8AC3E}">
+        <p14:creationId xmlns:p14="http://schemas.microsoft.com/office/powerpoint/2010/main" val="1399374469"/>
+      </p:ext>
+    </p:extLst>
+  </p:cSld>
+  <p:clrMapOvr>
+    <a:masterClrMapping/>
+  </p:clrMapOvr>
+</p:sld>
+</file>
+
+<file path=ppt/slides/slide7.xml><?xml version="1.0" encoding="utf-8"?>
+<p:sld xmlns:a="http://schemas.openxmlformats.org/drawingml/2006/main" xmlns:r="http://schemas.openxmlformats.org/officeDocument/2006/relationships" xmlns:p="http://schemas.openxmlformats.org/presentationml/2006/main">
+  <p:cSld>
+    <p:spTree>
+      <p:nvGrpSpPr>
+        <p:cNvPr id="1" name=""/>
+        <p:cNvGrpSpPr/>
+        <p:nvPr/>
+      </p:nvGrpSpPr>
+      <p:grpSpPr>
+        <a:xfrm>
+          <a:off x="0" y="0"/>
+          <a:ext cx="0" cy="0"/>
+          <a:chOff x="0" y="0"/>
+          <a:chExt cx="0" cy="0"/>
+        </a:xfrm>
+      </p:grpSpPr>
+      <p:sp>
+        <p:nvSpPr>
+          <p:cNvPr id="2" name="Title 1">
+            <a:extLst>
+              <a:ext uri="{FF2B5EF4-FFF2-40B4-BE49-F238E27FC236}">
+                <a16:creationId xmlns:a16="http://schemas.microsoft.com/office/drawing/2014/main" id="{73BFEB80-BDF0-03F1-2ECA-FF49062A33D9}"/>
+              </a:ext>
+            </a:extLst>
+          </p:cNvPr>
+          <p:cNvSpPr>
+            <a:spLocks noGrp="1"/>
+          </p:cNvSpPr>
+          <p:nvPr>
+            <p:ph type="title"/>
+          </p:nvPr>
+        </p:nvSpPr>
+        <p:spPr/>
+        <p:txBody>
+          <a:bodyPr/>
+          <a:lstStyle/>
+          <a:p>
+            <a:r>
+              <a:rPr lang="en-US" dirty="0"/>
+              <a:t>Challenges faced</a:t>
+            </a:r>
+          </a:p>
+        </p:txBody>
+      </p:sp>
+      <p:sp>
+        <p:nvSpPr>
+          <p:cNvPr id="3" name="Content Placeholder 2">
+            <a:extLst>
+              <a:ext uri="{FF2B5EF4-FFF2-40B4-BE49-F238E27FC236}">
+                <a16:creationId xmlns:a16="http://schemas.microsoft.com/office/drawing/2014/main" id="{6D3EB25C-6870-778C-9595-DD716C55E573}"/>
+              </a:ext>
+            </a:extLst>
+          </p:cNvPr>
+          <p:cNvSpPr>
+            <a:spLocks noGrp="1"/>
+          </p:cNvSpPr>
+          <p:nvPr>
+            <p:ph idx="1"/>
+          </p:nvPr>
+        </p:nvSpPr>
+        <p:spPr/>
+        <p:txBody>
+          <a:bodyPr/>
+          <a:lstStyle/>
+          <a:p>
+            <a:r>
+              <a:rPr lang="en-US" dirty="0"/>
+              <a:t>Deep copy!</a:t>
+            </a:r>
+          </a:p>
+          <a:p>
+            <a:r>
+              <a:rPr lang="en-US" dirty="0"/>
+              <a:t>Early model – Too many inputs that were not useful</a:t>
+            </a:r>
+          </a:p>
+          <a:p>
+            <a:r>
+              <a:rPr lang="en-US" dirty="0"/>
+              <a:t>Training slow</a:t>
+            </a:r>
+          </a:p>
+          <a:p>
+            <a:r>
+              <a:rPr lang="en-US" dirty="0"/>
+              <a:t>Snake going opposite direction</a:t>
+            </a:r>
+          </a:p>
+          <a:p>
+            <a:r>
+              <a:rPr lang="en-US" dirty="0"/>
+              <a:t>Finding a ‘good enough’ fitness function</a:t>
+            </a:r>
+          </a:p>
+          <a:p>
+            <a:r>
+              <a:rPr lang="en-US" dirty="0"/>
+              <a:t>Models with too many neurons were slow to train</a:t>
+            </a:r>
+          </a:p>
+          <a:p>
+            <a:r>
+              <a:rPr lang="en-US" dirty="0"/>
+              <a:t>Some code inefficient – Bots did not share a single network</a:t>
+            </a:r>
+          </a:p>
+          <a:p>
+            <a:endParaRPr lang="en-US" dirty="0"/>
+          </a:p>
+          <a:p>
+            <a:endParaRPr lang="en-US" dirty="0"/>
+          </a:p>
+        </p:txBody>
+      </p:sp>
+    </p:spTree>
+    <p:extLst>
+      <p:ext uri="{BB962C8B-B14F-4D97-AF65-F5344CB8AC3E}">
+        <p14:creationId xmlns:p14="http://schemas.microsoft.com/office/powerpoint/2010/main" val="3142390204"/>
+      </p:ext>
+    </p:extLst>
+  </p:cSld>
+  <p:clrMapOvr>
+    <a:masterClrMapping/>
+  </p:clrMapOvr>
+</p:sld>
+</file>
+
+<file path=ppt/slides/slide8.xml><?xml version="1.0" encoding="utf-8"?>
+<p:sld xmlns:a="http://schemas.openxmlformats.org/drawingml/2006/main" xmlns:r="http://schemas.openxmlformats.org/officeDocument/2006/relationships" xmlns:p="http://schemas.openxmlformats.org/presentationml/2006/main">
+  <p:cSld>
+    <p:spTree>
+      <p:nvGrpSpPr>
+        <p:cNvPr id="1" name=""/>
+        <p:cNvGrpSpPr/>
+        <p:nvPr/>
+      </p:nvGrpSpPr>
+      <p:grpSpPr>
+        <a:xfrm>
+          <a:off x="0" y="0"/>
+          <a:ext cx="0" cy="0"/>
+          <a:chOff x="0" y="0"/>
+          <a:chExt cx="0" cy="0"/>
+        </a:xfrm>
+      </p:grpSpPr>
+      <p:sp>
+        <p:nvSpPr>
+          <p:cNvPr id="2" name="Title 1">
+            <a:extLst>
+              <a:ext uri="{FF2B5EF4-FFF2-40B4-BE49-F238E27FC236}">
+                <a16:creationId xmlns:a16="http://schemas.microsoft.com/office/drawing/2014/main" id="{747395C1-4B75-87F5-2088-75FD5C2156AB}"/>
+              </a:ext>
+            </a:extLst>
+          </p:cNvPr>
+          <p:cNvSpPr>
+            <a:spLocks noGrp="1"/>
+          </p:cNvSpPr>
+          <p:nvPr>
+            <p:ph type="title"/>
+          </p:nvPr>
+        </p:nvSpPr>
+        <p:spPr>
+          <a:xfrm>
+            <a:off x="838200" y="391758"/>
+            <a:ext cx="3494103" cy="1325563"/>
+          </a:xfrm>
+        </p:spPr>
+        <p:txBody>
+          <a:bodyPr/>
+          <a:lstStyle/>
+          <a:p>
+            <a:r>
+              <a:rPr lang="en-US" dirty="0"/>
+              <a:t>Questions?</a:t>
+            </a:r>
+          </a:p>
+        </p:txBody>
+      </p:sp>
+      <p:sp>
+        <p:nvSpPr>
+          <p:cNvPr id="4" name="Title 1">
+            <a:extLst>
+              <a:ext uri="{FF2B5EF4-FFF2-40B4-BE49-F238E27FC236}">
+                <a16:creationId xmlns:a16="http://schemas.microsoft.com/office/drawing/2014/main" id="{EDF9FDB9-687C-888F-EDFB-D6B0550CB20C}"/>
+              </a:ext>
+            </a:extLst>
+          </p:cNvPr>
+          <p:cNvSpPr txBox="1">
+            <a:spLocks/>
+          </p:cNvSpPr>
+          <p:nvPr/>
+        </p:nvSpPr>
+        <p:spPr>
+          <a:xfrm>
+            <a:off x="449062" y="2852352"/>
+            <a:ext cx="7167979" cy="1325563"/>
+          </a:xfrm>
+          <a:prstGeom prst="rect">
+            <a:avLst/>
+          </a:prstGeom>
+        </p:spPr>
+        <p:txBody>
+          <a:bodyPr vert="horz" lIns="91440" tIns="45720" rIns="91440" bIns="45720" rtlCol="0" anchor="ctr">
+            <a:normAutofit/>
+          </a:bodyPr>
+          <a:lstStyle>
+            <a:lvl1pPr algn="l" defTabSz="914400" rtl="0" eaLnBrk="1" latinLnBrk="0" hangingPunct="1">
+              <a:lnSpc>
+                <a:spcPct val="90000"/>
+              </a:lnSpc>
+              <a:spcBef>
+                <a:spcPct val="0"/>
+              </a:spcBef>
+              <a:buNone/>
+              <a:defRPr sz="4400" kern="1200">
+                <a:solidFill>
+                  <a:schemeClr val="tx1"/>
+                </a:solidFill>
+                <a:latin typeface="+mj-lt"/>
+                <a:ea typeface="+mj-ea"/>
+                <a:cs typeface="+mj-cs"/>
+              </a:defRPr>
+            </a:lvl1pPr>
+          </a:lstStyle>
+          <a:p>
+            <a:r>
+              <a:rPr lang="en-US" dirty="0"/>
+              <a:t>Insert video here again</a:t>
+            </a:r>
+          </a:p>
+        </p:txBody>
+      </p:sp>
+    </p:spTree>
+    <p:extLst>
+      <p:ext uri="{BB962C8B-B14F-4D97-AF65-F5344CB8AC3E}">
+        <p14:creationId xmlns:p14="http://schemas.microsoft.com/office/powerpoint/2010/main" val="2590857418"/>
       </p:ext>
     </p:extLst>
   </p:cSld>
